--- a/females/network_figs and results.pptx
+++ b/females/network_figs and results.pptx
@@ -269,7 +269,7 @@
           <a:p>
             <a:fld id="{37FE9F70-C9F8-45D4-AA0A-BC12C5F64038}" type="datetimeFigureOut">
               <a:rPr lang="en-CA" smtClean="0"/>
-              <a:t>2023-03-12</a:t>
+              <a:t>2023-03-27</a:t>
             </a:fld>
             <a:endParaRPr lang="en-CA"/>
           </a:p>
@@ -469,7 +469,7 @@
           <a:p>
             <a:fld id="{37FE9F70-C9F8-45D4-AA0A-BC12C5F64038}" type="datetimeFigureOut">
               <a:rPr lang="en-CA" smtClean="0"/>
-              <a:t>2023-03-12</a:t>
+              <a:t>2023-03-27</a:t>
             </a:fld>
             <a:endParaRPr lang="en-CA"/>
           </a:p>
@@ -679,7 +679,7 @@
           <a:p>
             <a:fld id="{37FE9F70-C9F8-45D4-AA0A-BC12C5F64038}" type="datetimeFigureOut">
               <a:rPr lang="en-CA" smtClean="0"/>
-              <a:t>2023-03-12</a:t>
+              <a:t>2023-03-27</a:t>
             </a:fld>
             <a:endParaRPr lang="en-CA"/>
           </a:p>
@@ -879,7 +879,7 @@
           <a:p>
             <a:fld id="{37FE9F70-C9F8-45D4-AA0A-BC12C5F64038}" type="datetimeFigureOut">
               <a:rPr lang="en-CA" smtClean="0"/>
-              <a:t>2023-03-12</a:t>
+              <a:t>2023-03-27</a:t>
             </a:fld>
             <a:endParaRPr lang="en-CA"/>
           </a:p>
@@ -1155,7 +1155,7 @@
           <a:p>
             <a:fld id="{37FE9F70-C9F8-45D4-AA0A-BC12C5F64038}" type="datetimeFigureOut">
               <a:rPr lang="en-CA" smtClean="0"/>
-              <a:t>2023-03-12</a:t>
+              <a:t>2023-03-27</a:t>
             </a:fld>
             <a:endParaRPr lang="en-CA"/>
           </a:p>
@@ -1423,7 +1423,7 @@
           <a:p>
             <a:fld id="{37FE9F70-C9F8-45D4-AA0A-BC12C5F64038}" type="datetimeFigureOut">
               <a:rPr lang="en-CA" smtClean="0"/>
-              <a:t>2023-03-12</a:t>
+              <a:t>2023-03-27</a:t>
             </a:fld>
             <a:endParaRPr lang="en-CA"/>
           </a:p>
@@ -1838,7 +1838,7 @@
           <a:p>
             <a:fld id="{37FE9F70-C9F8-45D4-AA0A-BC12C5F64038}" type="datetimeFigureOut">
               <a:rPr lang="en-CA" smtClean="0"/>
-              <a:t>2023-03-12</a:t>
+              <a:t>2023-03-27</a:t>
             </a:fld>
             <a:endParaRPr lang="en-CA"/>
           </a:p>
@@ -1980,7 +1980,7 @@
           <a:p>
             <a:fld id="{37FE9F70-C9F8-45D4-AA0A-BC12C5F64038}" type="datetimeFigureOut">
               <a:rPr lang="en-CA" smtClean="0"/>
-              <a:t>2023-03-12</a:t>
+              <a:t>2023-03-27</a:t>
             </a:fld>
             <a:endParaRPr lang="en-CA"/>
           </a:p>
@@ -2093,7 +2093,7 @@
           <a:p>
             <a:fld id="{37FE9F70-C9F8-45D4-AA0A-BC12C5F64038}" type="datetimeFigureOut">
               <a:rPr lang="en-CA" smtClean="0"/>
-              <a:t>2023-03-12</a:t>
+              <a:t>2023-03-27</a:t>
             </a:fld>
             <a:endParaRPr lang="en-CA"/>
           </a:p>
@@ -2406,7 +2406,7 @@
           <a:p>
             <a:fld id="{37FE9F70-C9F8-45D4-AA0A-BC12C5F64038}" type="datetimeFigureOut">
               <a:rPr lang="en-CA" smtClean="0"/>
-              <a:t>2023-03-12</a:t>
+              <a:t>2023-03-27</a:t>
             </a:fld>
             <a:endParaRPr lang="en-CA"/>
           </a:p>
@@ -2695,7 +2695,7 @@
           <a:p>
             <a:fld id="{37FE9F70-C9F8-45D4-AA0A-BC12C5F64038}" type="datetimeFigureOut">
               <a:rPr lang="en-CA" smtClean="0"/>
-              <a:t>2023-03-12</a:t>
+              <a:t>2023-03-27</a:t>
             </a:fld>
             <a:endParaRPr lang="en-CA"/>
           </a:p>
@@ -2938,7 +2938,7 @@
           <a:p>
             <a:fld id="{37FE9F70-C9F8-45D4-AA0A-BC12C5F64038}" type="datetimeFigureOut">
               <a:rPr lang="en-CA" smtClean="0"/>
-              <a:t>2023-03-12</a:t>
+              <a:t>2023-03-27</a:t>
             </a:fld>
             <a:endParaRPr lang="en-CA"/>
           </a:p>
